--- a/ch3-par-learning.pptx
+++ b/ch3-par-learning.pptx
@@ -311,7 +311,7 @@
               <a:pPr>
                 <a:defRPr/>
               </a:pPr>
-              <a:t>16-09-08</a:t>
+              <a:t>2016-09-23</a:t>
             </a:fld>
             <a:endParaRPr lang="en-US"/>
           </a:p>
@@ -527,7 +527,7 @@
               <a:pPr>
                 <a:defRPr/>
               </a:pPr>
-              <a:t>16-09-08</a:t>
+              <a:t>2016-09-23</a:t>
             </a:fld>
             <a:endParaRPr lang="en-US"/>
           </a:p>
@@ -901,10 +901,6 @@
           <a:bodyPr/>
           <a:lstStyle/>
           <a:p>
-            <a:r>
-              <a:rPr lang="en-US" dirty="0" smtClean="0"/>
-              <a:t>use open Markov in Bristol</a:t>
-            </a:r>
             <a:endParaRPr lang="en-US" dirty="0"/>
           </a:p>
         </p:txBody>
@@ -1780,14 +1776,6 @@
           <a:bodyPr/>
           <a:lstStyle/>
           <a:p>
-            <a:r>
-              <a:rPr lang="en-US" dirty="0" smtClean="0"/>
-              <a:t>TODO </a:t>
-            </a:r>
-            <a:r>
-              <a:rPr lang="en-US" smtClean="0"/>
-              <a:t>add citation</a:t>
-            </a:r>
             <a:endParaRPr lang="en-US" dirty="0"/>
           </a:p>
         </p:txBody>
@@ -2885,7 +2873,7 @@
               <a:pPr>
                 <a:defRPr/>
               </a:pPr>
-              <a:t>16-09-08</a:t>
+              <a:t>2016-09-23</a:t>
             </a:fld>
             <a:endParaRPr lang="en-US"/>
           </a:p>
@@ -3086,7 +3074,7 @@
               <a:pPr>
                 <a:defRPr/>
               </a:pPr>
-              <a:t>16-09-08</a:t>
+              <a:t>2016-09-23</a:t>
             </a:fld>
             <a:endParaRPr lang="en-US"/>
           </a:p>
@@ -3297,7 +3285,7 @@
               <a:pPr>
                 <a:defRPr/>
               </a:pPr>
-              <a:t>16-09-08</a:t>
+              <a:t>2016-09-23</a:t>
             </a:fld>
             <a:endParaRPr lang="en-US"/>
           </a:p>
@@ -3503,7 +3491,7 @@
               <a:pPr>
                 <a:defRPr/>
               </a:pPr>
-              <a:t>16-09-08</a:t>
+              <a:t>2016-09-23</a:t>
             </a:fld>
             <a:endParaRPr lang="en-US"/>
           </a:p>
@@ -4022,7 +4010,7 @@
               <a:pPr>
                 <a:defRPr/>
               </a:pPr>
-              <a:t>16-09-08</a:t>
+              <a:t>2016-09-23</a:t>
             </a:fld>
             <a:endParaRPr lang="en-US"/>
           </a:p>
@@ -4295,7 +4283,7 @@
               <a:pPr>
                 <a:defRPr/>
               </a:pPr>
-              <a:t>16-09-08</a:t>
+              <a:t>2016-09-23</a:t>
             </a:fld>
             <a:endParaRPr lang="en-US"/>
           </a:p>
@@ -4693,7 +4681,7 @@
               <a:pPr>
                 <a:defRPr/>
               </a:pPr>
-              <a:t>16-09-08</a:t>
+              <a:t>2016-09-23</a:t>
             </a:fld>
             <a:endParaRPr lang="en-US"/>
           </a:p>
@@ -4842,7 +4830,7 @@
               <a:pPr>
                 <a:defRPr/>
               </a:pPr>
-              <a:t>16-09-08</a:t>
+              <a:t>2016-09-23</a:t>
             </a:fld>
             <a:endParaRPr lang="en-US"/>
           </a:p>
@@ -4968,7 +4956,7 @@
               <a:pPr>
                 <a:defRPr/>
               </a:pPr>
-              <a:t>16-09-08</a:t>
+              <a:t>2016-09-23</a:t>
             </a:fld>
             <a:endParaRPr lang="en-US"/>
           </a:p>
@@ -5344,7 +5332,7 @@
               <a:pPr>
                 <a:defRPr/>
               </a:pPr>
-              <a:t>16-09-08</a:t>
+              <a:t>2016-09-23</a:t>
             </a:fld>
             <a:endParaRPr lang="en-US"/>
           </a:p>
@@ -5767,7 +5755,7 @@
               <a:pPr>
                 <a:defRPr/>
               </a:pPr>
-              <a:t>16-09-08</a:t>
+              <a:t>2016-09-23</a:t>
             </a:fld>
             <a:endParaRPr lang="en-US"/>
           </a:p>
@@ -6187,7 +6175,7 @@
               <a:pPr>
                 <a:defRPr/>
               </a:pPr>
-              <a:t>16-09-08</a:t>
+              <a:t>2016-09-23</a:t>
             </a:fld>
             <a:endParaRPr lang="en-US"/>
           </a:p>
@@ -7134,46 +7122,6 @@
       </p:sp>
       <p:sp>
         <p:nvSpPr>
-          <p:cNvPr id="5" name="TextBox 4"/>
-          <p:cNvSpPr txBox="1"/>
-          <p:nvPr/>
-        </p:nvSpPr>
-        <p:spPr>
-          <a:xfrm>
-            <a:off x="6048778" y="2924563"/>
-            <a:ext cx="2241062" cy="523220"/>
-          </a:xfrm>
-          <a:prstGeom prst="rect">
-            <a:avLst/>
-          </a:prstGeom>
-          <a:noFill/>
-        </p:spPr>
-        <p:txBody>
-          <a:bodyPr wrap="square" rtlCol="0">
-            <a:spAutoFit/>
-          </a:bodyPr>
-          <a:lstStyle/>
-          <a:p>
-            <a:r>
-              <a:rPr lang="en-US" sz="2800" dirty="0" smtClean="0">
-                <a:solidFill>
-                  <a:srgbClr val="3366FF"/>
-                </a:solidFill>
-                <a:latin typeface="+mn-lt"/>
-              </a:rPr>
-              <a:t>lattice search</a:t>
-            </a:r>
-            <a:endParaRPr lang="en-US" sz="2800" dirty="0">
-              <a:solidFill>
-                <a:srgbClr val="3366FF"/>
-              </a:solidFill>
-              <a:latin typeface="+mn-lt"/>
-            </a:endParaRPr>
-          </a:p>
-        </p:txBody>
-      </p:sp>
-      <p:sp>
-        <p:nvSpPr>
           <p:cNvPr id="7" name="TextBox 6"/>
           <p:cNvSpPr txBox="1"/>
           <p:nvPr/>
@@ -7222,39 +7170,6 @@
           <a:xfrm flipH="1" flipV="1">
             <a:off x="6480404" y="4220308"/>
             <a:ext cx="525921" cy="112043"/>
-          </a:xfrm>
-          <a:prstGeom prst="straightConnector1">
-            <a:avLst/>
-          </a:prstGeom>
-          <a:ln>
-            <a:tailEnd type="arrow"/>
-          </a:ln>
-        </p:spPr>
-        <p:style>
-          <a:lnRef idx="2">
-            <a:schemeClr val="accent1"/>
-          </a:lnRef>
-          <a:fillRef idx="0">
-            <a:schemeClr val="accent1"/>
-          </a:fillRef>
-          <a:effectRef idx="1">
-            <a:schemeClr val="accent1"/>
-          </a:effectRef>
-          <a:fontRef idx="minor">
-            <a:schemeClr val="tx1"/>
-          </a:fontRef>
-        </p:style>
-      </p:cxnSp>
-      <p:cxnSp>
-        <p:nvCxnSpPr>
-          <p:cNvPr id="11" name="Straight Arrow Connector 10"/>
-          <p:cNvCxnSpPr/>
-          <p:nvPr/>
-        </p:nvCxnSpPr>
-        <p:spPr>
-          <a:xfrm flipH="1">
-            <a:off x="5378550" y="3211418"/>
-            <a:ext cx="670228" cy="0"/>
           </a:xfrm>
           <a:prstGeom prst="straightConnector1">
             <a:avLst/>
@@ -9999,18 +9914,26 @@
             <p:ph type="ftr" sz="quarter" idx="11"/>
           </p:nvPr>
         </p:nvSpPr>
-        <p:spPr/>
+        <p:spPr>
+          <a:xfrm>
+            <a:off x="914399" y="6172200"/>
+            <a:ext cx="6612451" cy="457200"/>
+          </a:xfrm>
+        </p:spPr>
         <p:txBody>
           <a:bodyPr/>
           <a:lstStyle/>
           <a:p>
-            <a:pPr>
-              <a:defRPr/>
-            </a:pPr>
-            <a:r>
-              <a:rPr lang="en-US" dirty="0" smtClean="0"/>
-              <a:t>Learning Bayesian Networks for Complex Relational Data</a:t>
-            </a:r>
+            <a:r>
+              <a:rPr lang="en-US" dirty="0"/>
+              <a:t>Schulte, O. (2011), A tractable pseudo-likelihood function for Bayes Nets applied to relational data, </a:t>
+            </a:r>
+            <a:r>
+              <a:rPr lang="en-US" i="1" dirty="0"/>
+              <a:t>in 'SIAM SDM', pp. 462-473.</a:t>
+            </a:r>
+          </a:p>
+          <a:p>
             <a:endParaRPr lang="en-US" dirty="0"/>
           </a:p>
         </p:txBody>
@@ -11819,7 +11742,10 @@
             </a:r>
           </a:p>
           <a:p>
-            <a:pPr lvl="1"/>
+            <a:pPr lvl="1">
+              <a:buFont typeface="Wingdings" charset="2"/>
+              <a:buChar char="Ø"/>
+            </a:pPr>
             <a:r>
               <a:rPr lang="en-US" sz="2800" dirty="0"/>
               <a:t>P(</a:t>

--- a/ch3-par-learning.pptx
+++ b/ch3-par-learning.pptx
@@ -311,7 +311,7 @@
               <a:pPr>
                 <a:defRPr/>
               </a:pPr>
-              <a:t>2016-09-23</a:t>
+              <a:t>2016-09-24</a:t>
             </a:fld>
             <a:endParaRPr lang="en-US"/>
           </a:p>
@@ -527,7 +527,7 @@
               <a:pPr>
                 <a:defRPr/>
               </a:pPr>
-              <a:t>2016-09-23</a:t>
+              <a:t>2016-09-24</a:t>
             </a:fld>
             <a:endParaRPr lang="en-US"/>
           </a:p>
@@ -2114,8 +2114,23 @@
           <a:p>
             <a:r>
               <a:rPr lang="en-US" baseline="0" dirty="0" smtClean="0"/>
-              <a:t>Horror is always false</a:t>
-            </a:r>
+              <a:t>Horror is always </a:t>
+            </a:r>
+            <a:r>
+              <a:rPr lang="en-US" baseline="0" dirty="0" smtClean="0"/>
+              <a:t>false</a:t>
+            </a:r>
+          </a:p>
+          <a:p>
+            <a:r>
+              <a:rPr lang="en-US" baseline="0" dirty="0" smtClean="0"/>
+              <a:t>P_B is the joint probability from the Bayes net. This is the product of conditional probabilities from the </a:t>
+            </a:r>
+            <a:r>
+              <a:rPr lang="en-US" baseline="0" smtClean="0"/>
+              <a:t>CP table.</a:t>
+            </a:r>
+            <a:endParaRPr lang="en-US" baseline="0" dirty="0" smtClean="0"/>
           </a:p>
           <a:p>
             <a:endParaRPr lang="en-US" dirty="0"/>
@@ -2873,7 +2888,7 @@
               <a:pPr>
                 <a:defRPr/>
               </a:pPr>
-              <a:t>2016-09-23</a:t>
+              <a:t>2016-09-24</a:t>
             </a:fld>
             <a:endParaRPr lang="en-US"/>
           </a:p>
@@ -3074,7 +3089,7 @@
               <a:pPr>
                 <a:defRPr/>
               </a:pPr>
-              <a:t>2016-09-23</a:t>
+              <a:t>2016-09-24</a:t>
             </a:fld>
             <a:endParaRPr lang="en-US"/>
           </a:p>
@@ -3285,7 +3300,7 @@
               <a:pPr>
                 <a:defRPr/>
               </a:pPr>
-              <a:t>2016-09-23</a:t>
+              <a:t>2016-09-24</a:t>
             </a:fld>
             <a:endParaRPr lang="en-US"/>
           </a:p>
@@ -3491,7 +3506,7 @@
               <a:pPr>
                 <a:defRPr/>
               </a:pPr>
-              <a:t>2016-09-23</a:t>
+              <a:t>2016-09-24</a:t>
             </a:fld>
             <a:endParaRPr lang="en-US"/>
           </a:p>
@@ -4010,7 +4025,7 @@
               <a:pPr>
                 <a:defRPr/>
               </a:pPr>
-              <a:t>2016-09-23</a:t>
+              <a:t>2016-09-24</a:t>
             </a:fld>
             <a:endParaRPr lang="en-US"/>
           </a:p>
@@ -4283,7 +4298,7 @@
               <a:pPr>
                 <a:defRPr/>
               </a:pPr>
-              <a:t>2016-09-23</a:t>
+              <a:t>2016-09-24</a:t>
             </a:fld>
             <a:endParaRPr lang="en-US"/>
           </a:p>
@@ -4681,7 +4696,7 @@
               <a:pPr>
                 <a:defRPr/>
               </a:pPr>
-              <a:t>2016-09-23</a:t>
+              <a:t>2016-09-24</a:t>
             </a:fld>
             <a:endParaRPr lang="en-US"/>
           </a:p>
@@ -4830,7 +4845,7 @@
               <a:pPr>
                 <a:defRPr/>
               </a:pPr>
-              <a:t>2016-09-23</a:t>
+              <a:t>2016-09-24</a:t>
             </a:fld>
             <a:endParaRPr lang="en-US"/>
           </a:p>
@@ -4956,7 +4971,7 @@
               <a:pPr>
                 <a:defRPr/>
               </a:pPr>
-              <a:t>2016-09-23</a:t>
+              <a:t>2016-09-24</a:t>
             </a:fld>
             <a:endParaRPr lang="en-US"/>
           </a:p>
@@ -5332,7 +5347,7 @@
               <a:pPr>
                 <a:defRPr/>
               </a:pPr>
-              <a:t>2016-09-23</a:t>
+              <a:t>2016-09-24</a:t>
             </a:fld>
             <a:endParaRPr lang="en-US"/>
           </a:p>
@@ -5755,7 +5770,7 @@
               <a:pPr>
                 <a:defRPr/>
               </a:pPr>
-              <a:t>2016-09-23</a:t>
+              <a:t>2016-09-24</a:t>
             </a:fld>
             <a:endParaRPr lang="en-US"/>
           </a:p>
@@ -6175,7 +6190,7 @@
               <a:pPr>
                 <a:defRPr/>
               </a:pPr>
-              <a:t>2016-09-23</a:t>
+              <a:t>2016-09-24</a:t>
             </a:fld>
             <a:endParaRPr lang="en-US"/>
           </a:p>
@@ -11701,7 +11716,19 @@
           <a:p>
             <a:r>
               <a:rPr lang="en-US" sz="2800" dirty="0" smtClean="0"/>
-              <a:t>For single relation compute P(R = F) using 1-minus trick (</a:t>
+              <a:t>For single relation compute </a:t>
+            </a:r>
+            <a:r>
+              <a:rPr lang="en-US" sz="2800" dirty="0"/>
+              <a:t>P</a:t>
+            </a:r>
+            <a:r>
+              <a:rPr lang="en-US" sz="2800" baseline="-25000" dirty="0"/>
+              <a:t>D </a:t>
+            </a:r>
+            <a:r>
+              <a:rPr lang="en-US" sz="2800" dirty="0" smtClean="0"/>
+              <a:t>(R = F) using 1-minus trick (</a:t>
             </a:r>
             <a:r>
               <a:rPr lang="en-US" sz="2800" dirty="0" err="1" smtClean="0"/>
@@ -11721,24 +11748,36 @@
           <a:p>
             <a:pPr lvl="1"/>
             <a:r>
+              <a:rPr lang="en-US" sz="2800" i="1" dirty="0"/>
+              <a:t>P</a:t>
+            </a:r>
+            <a:r>
+              <a:rPr lang="en-US" sz="2800" i="1" baseline="-25000" dirty="0"/>
+              <a:t>D</a:t>
+            </a:r>
+            <a:r>
+              <a:rPr lang="en-US" sz="2800" i="1" dirty="0" smtClean="0"/>
+              <a:t>(</a:t>
+            </a:r>
+            <a:r>
+              <a:rPr lang="en-US" sz="2800" i="1" dirty="0" err="1" smtClean="0"/>
+              <a:t>HasRated</a:t>
+            </a:r>
+            <a:r>
+              <a:rPr lang="en-US" sz="2800" i="1" dirty="0" smtClean="0"/>
+              <a:t>(</a:t>
+            </a:r>
+            <a:r>
+              <a:rPr lang="en-US" sz="2800" i="1" dirty="0" err="1" smtClean="0"/>
+              <a:t>User,Movie</a:t>
+            </a:r>
+            <a:r>
+              <a:rPr lang="en-US" sz="2800" i="1" dirty="0" smtClean="0"/>
+              <a:t>) = T)</a:t>
+            </a:r>
+            <a:r>
               <a:rPr lang="en-US" sz="2800" dirty="0" smtClean="0"/>
-              <a:t>P(</a:t>
-            </a:r>
-            <a:r>
-              <a:rPr lang="en-US" sz="2800" dirty="0" err="1" smtClean="0"/>
-              <a:t>HasRated</a:t>
-            </a:r>
-            <a:r>
-              <a:rPr lang="en-US" sz="2800" dirty="0" smtClean="0"/>
-              <a:t>(</a:t>
-            </a:r>
-            <a:r>
-              <a:rPr lang="en-US" sz="2800" dirty="0" err="1" smtClean="0"/>
-              <a:t>User,Movie</a:t>
-            </a:r>
-            <a:r>
-              <a:rPr lang="en-US" sz="2800" dirty="0" smtClean="0"/>
-              <a:t>) = T) = 4.27%</a:t>
+              <a:t> = 4.27%</a:t>
             </a:r>
           </a:p>
           <a:p>
@@ -11747,27 +11786,35 @@
               <a:buChar char="Ø"/>
             </a:pPr>
             <a:r>
-              <a:rPr lang="en-US" sz="2800" dirty="0"/>
-              <a:t>P(</a:t>
-            </a:r>
-            <a:r>
-              <a:rPr lang="en-US" sz="2800" dirty="0" err="1"/>
+              <a:rPr lang="en-US" sz="2800" i="1" dirty="0"/>
+              <a:t>P</a:t>
+            </a:r>
+            <a:r>
+              <a:rPr lang="en-US" sz="2800" i="1" baseline="-25000" dirty="0"/>
+              <a:t>D</a:t>
+            </a:r>
+            <a:r>
+              <a:rPr lang="en-US" sz="2800" i="1" dirty="0" smtClean="0"/>
+              <a:t>(</a:t>
+            </a:r>
+            <a:r>
+              <a:rPr lang="en-US" sz="2800" i="1" dirty="0" err="1"/>
               <a:t>HasRated</a:t>
             </a:r>
             <a:r>
-              <a:rPr lang="en-US" sz="2800" dirty="0"/>
+              <a:rPr lang="en-US" sz="2800" i="1" dirty="0"/>
               <a:t>(</a:t>
             </a:r>
             <a:r>
-              <a:rPr lang="en-US" sz="2800" dirty="0" err="1"/>
+              <a:rPr lang="en-US" sz="2800" i="1" dirty="0" err="1"/>
               <a:t>User,Movie</a:t>
             </a:r>
             <a:r>
-              <a:rPr lang="en-US" sz="2800" dirty="0"/>
+              <a:rPr lang="en-US" sz="2800" i="1" dirty="0"/>
               <a:t>) = </a:t>
             </a:r>
             <a:r>
-              <a:rPr lang="en-US" sz="2800" dirty="0" smtClean="0"/>
+              <a:rPr lang="en-US" sz="2800" i="1" dirty="0" smtClean="0"/>
               <a:t>F) </a:t>
             </a:r>
             <a:r>
@@ -11784,7 +11831,46 @@
               <a:rPr lang="en-US" sz="3000" dirty="0" smtClean="0"/>
               <a:t>How to generalize to multiple relations?</a:t>
             </a:r>
-            <a:endParaRPr lang="en-US" sz="3000" dirty="0"/>
+          </a:p>
+          <a:p>
+            <a:pPr lvl="1"/>
+            <a:r>
+              <a:rPr lang="en-US" sz="2800" i="1" dirty="0"/>
+              <a:t>P</a:t>
+            </a:r>
+            <a:r>
+              <a:rPr lang="en-US" sz="2800" i="1" baseline="-25000" dirty="0"/>
+              <a:t>D</a:t>
+            </a:r>
+            <a:r>
+              <a:rPr lang="en-US" sz="2800" dirty="0" smtClean="0"/>
+              <a:t>(ActsIn(</a:t>
+            </a:r>
+            <a:r>
+              <a:rPr lang="en-US" sz="2800" dirty="0" err="1" smtClean="0"/>
+              <a:t>Actor,Movie</a:t>
+            </a:r>
+            <a:r>
+              <a:rPr lang="en-US" sz="2800" dirty="0" smtClean="0"/>
+              <a:t>)=</a:t>
+            </a:r>
+            <a:r>
+              <a:rPr lang="en-US" sz="2800" dirty="0" err="1" smtClean="0"/>
+              <a:t>F,HasRated</a:t>
+            </a:r>
+            <a:r>
+              <a:rPr lang="en-US" sz="2800" dirty="0" smtClean="0"/>
+              <a:t>(</a:t>
+            </a:r>
+            <a:r>
+              <a:rPr lang="en-US" sz="2800" dirty="0" err="1" smtClean="0"/>
+              <a:t>User,Movie</a:t>
+            </a:r>
+            <a:r>
+              <a:rPr lang="en-US" sz="2800" dirty="0" smtClean="0"/>
+              <a:t>)=F)</a:t>
+            </a:r>
+            <a:endParaRPr lang="en-US" sz="2800" dirty="0"/>
           </a:p>
           <a:p>
             <a:pPr lvl="1"/>
@@ -12135,14 +12221,30 @@
             </a:bodyPr>
             <a:lstStyle/>
             <a:p>
+              <a:pPr lvl="0"/>
               <a:r>
-                <a:rPr lang="en-CA" sz="2000" dirty="0" smtClean="0">
-                  <a:latin typeface="+mn-lt"/>
+                <a:rPr lang="en-CA" sz="2000" i="1" dirty="0" smtClean="0">
+                  <a:solidFill>
+                    <a:prstClr val="black"/>
+                  </a:solidFill>
+                  <a:latin typeface="Perpetua"/>
                 </a:rPr>
-                <a:t>Count(*)</a:t>
+                <a:t>p</a:t>
               </a:r>
-              <a:endParaRPr lang="en-CA" sz="2000" dirty="0">
-                <a:latin typeface="+mn-lt"/>
+              <a:r>
+                <a:rPr lang="en-CA" sz="2000" i="1" baseline="-25000" dirty="0" smtClean="0">
+                  <a:solidFill>
+                    <a:prstClr val="black"/>
+                  </a:solidFill>
+                  <a:latin typeface="Perpetua"/>
+                </a:rPr>
+                <a:t>4</a:t>
+              </a:r>
+              <a:endParaRPr lang="en-CA" sz="2000" i="1" baseline="-25000" dirty="0">
+                <a:solidFill>
+                  <a:prstClr val="black"/>
+                </a:solidFill>
+                <a:latin typeface="Perpetua"/>
               </a:endParaRPr>
             </a:p>
           </p:txBody>
@@ -12364,14 +12466,30 @@
               </a:bodyPr>
               <a:lstStyle/>
               <a:p>
+                <a:pPr lvl="0"/>
                 <a:r>
-                  <a:rPr lang="en-CA" sz="2000" dirty="0" smtClean="0">
-                    <a:latin typeface="+mn-lt"/>
+                  <a:rPr lang="en-CA" sz="2000" i="1" dirty="0" smtClean="0">
+                    <a:solidFill>
+                      <a:prstClr val="black"/>
+                    </a:solidFill>
+                    <a:latin typeface="Perpetua"/>
                   </a:rPr>
-                  <a:t>Count(*)</a:t>
+                  <a:t>p</a:t>
                 </a:r>
-                <a:endParaRPr lang="en-CA" sz="2000" dirty="0">
-                  <a:latin typeface="+mn-lt"/>
+                <a:r>
+                  <a:rPr lang="en-CA" sz="2000" i="1" baseline="-25000" dirty="0" smtClean="0">
+                    <a:solidFill>
+                      <a:prstClr val="black"/>
+                    </a:solidFill>
+                    <a:latin typeface="Perpetua"/>
+                  </a:rPr>
+                  <a:t>3</a:t>
+                </a:r>
+                <a:endParaRPr lang="en-CA" sz="2000" i="1" baseline="-25000" dirty="0">
+                  <a:solidFill>
+                    <a:prstClr val="black"/>
+                  </a:solidFill>
+                  <a:latin typeface="Perpetua"/>
                 </a:endParaRPr>
               </a:p>
             </p:txBody>
@@ -12655,14 +12773,30 @@
             </a:bodyPr>
             <a:lstStyle/>
             <a:p>
+              <a:pPr lvl="0"/>
               <a:r>
-                <a:rPr lang="en-CA" sz="2000" dirty="0" smtClean="0">
-                  <a:latin typeface="+mn-lt"/>
+                <a:rPr lang="en-CA" sz="2000" i="1" dirty="0" smtClean="0">
+                  <a:solidFill>
+                    <a:prstClr val="black"/>
+                  </a:solidFill>
+                  <a:latin typeface="Perpetua"/>
                 </a:rPr>
-                <a:t>Count(*)</a:t>
+                <a:t>p</a:t>
               </a:r>
-              <a:endParaRPr lang="en-CA" sz="2000" dirty="0">
-                <a:latin typeface="+mn-lt"/>
+              <a:r>
+                <a:rPr lang="en-CA" sz="2000" i="1" baseline="-25000" dirty="0" smtClean="0">
+                  <a:solidFill>
+                    <a:prstClr val="black"/>
+                  </a:solidFill>
+                  <a:latin typeface="Perpetua"/>
+                </a:rPr>
+                <a:t>2</a:t>
+              </a:r>
+              <a:endParaRPr lang="en-CA" sz="2000" i="1" baseline="-25000" dirty="0">
+                <a:solidFill>
+                  <a:prstClr val="black"/>
+                </a:solidFill>
+                <a:latin typeface="Perpetua"/>
               </a:endParaRPr>
             </a:p>
           </p:txBody>
@@ -12959,14 +13093,30 @@
               </a:bodyPr>
               <a:lstStyle/>
               <a:p>
+                <a:pPr lvl="0"/>
                 <a:r>
-                  <a:rPr lang="en-CA" sz="2000" dirty="0" smtClean="0">
-                    <a:latin typeface="+mn-lt"/>
+                  <a:rPr lang="en-CA" sz="2000" i="1" dirty="0" smtClean="0">
+                    <a:solidFill>
+                      <a:prstClr val="black"/>
+                    </a:solidFill>
+                    <a:latin typeface="Perpetua"/>
                   </a:rPr>
-                  <a:t>Count(*)</a:t>
+                  <a:t>p</a:t>
                 </a:r>
-                <a:endParaRPr lang="en-CA" sz="2000" dirty="0">
-                  <a:latin typeface="+mn-lt"/>
+                <a:r>
+                  <a:rPr lang="en-CA" sz="2000" i="1" baseline="-25000" dirty="0" smtClean="0">
+                    <a:solidFill>
+                      <a:prstClr val="black"/>
+                    </a:solidFill>
+                    <a:latin typeface="Perpetua"/>
+                  </a:rPr>
+                  <a:t>1</a:t>
+                </a:r>
+                <a:endParaRPr lang="en-CA" sz="2000" i="1" baseline="-25000" dirty="0">
+                  <a:solidFill>
+                    <a:prstClr val="black"/>
+                  </a:solidFill>
+                  <a:latin typeface="Perpetua"/>
                 </a:endParaRPr>
               </a:p>
             </p:txBody>
@@ -13314,14 +13464,30 @@
             </a:bodyPr>
             <a:lstStyle/>
             <a:p>
+              <a:pPr lvl="0"/>
               <a:r>
-                <a:rPr lang="en-CA" sz="2000" dirty="0" smtClean="0">
-                  <a:latin typeface="+mn-lt"/>
+                <a:rPr lang="en-CA" sz="2000" i="1" dirty="0" smtClean="0">
+                  <a:solidFill>
+                    <a:prstClr val="black"/>
+                  </a:solidFill>
+                  <a:latin typeface="Perpetua"/>
                 </a:rPr>
-                <a:t>Count(*)</a:t>
+                <a:t>q</a:t>
               </a:r>
-              <a:endParaRPr lang="en-CA" sz="2000" dirty="0">
-                <a:latin typeface="+mn-lt"/>
+              <a:r>
+                <a:rPr lang="en-CA" sz="2000" i="1" baseline="-25000" dirty="0" smtClean="0">
+                  <a:solidFill>
+                    <a:prstClr val="black"/>
+                  </a:solidFill>
+                  <a:latin typeface="Perpetua"/>
+                </a:rPr>
+                <a:t>4</a:t>
+              </a:r>
+              <a:endParaRPr lang="en-CA" sz="2000" i="1" baseline="-25000" dirty="0">
+                <a:solidFill>
+                  <a:prstClr val="black"/>
+                </a:solidFill>
+                <a:latin typeface="Perpetua"/>
               </a:endParaRPr>
             </a:p>
           </p:txBody>
@@ -13423,14 +13589,30 @@
           </a:bodyPr>
           <a:lstStyle/>
           <a:p>
-            <a:r>
-              <a:rPr lang="en-CA" sz="2000" dirty="0" smtClean="0">
-                <a:latin typeface="+mn-lt"/>
+            <a:pPr lvl="0"/>
+            <a:r>
+              <a:rPr lang="en-CA" sz="2000" i="1" dirty="0" smtClean="0">
+                <a:solidFill>
+                  <a:prstClr val="black"/>
+                </a:solidFill>
+                <a:latin typeface="Perpetua"/>
               </a:rPr>
-              <a:t>Count(*)</a:t>
-            </a:r>
-            <a:endParaRPr lang="en-CA" sz="2000" dirty="0">
-              <a:latin typeface="+mn-lt"/>
+              <a:t>q</a:t>
+            </a:r>
+            <a:r>
+              <a:rPr lang="en-CA" sz="2000" i="1" baseline="-25000" dirty="0" smtClean="0">
+                <a:solidFill>
+                  <a:prstClr val="black"/>
+                </a:solidFill>
+                <a:latin typeface="Perpetua"/>
+              </a:rPr>
+              <a:t>3</a:t>
+            </a:r>
+            <a:endParaRPr lang="en-CA" sz="2000" i="1" baseline="-25000" dirty="0">
+              <a:solidFill>
+                <a:prstClr val="black"/>
+              </a:solidFill>
+              <a:latin typeface="Perpetua"/>
             </a:endParaRPr>
           </a:p>
         </p:txBody>
@@ -13534,14 +13716,30 @@
           </a:bodyPr>
           <a:lstStyle/>
           <a:p>
-            <a:r>
-              <a:rPr lang="en-CA" sz="2000" dirty="0" smtClean="0">
-                <a:latin typeface="+mn-lt"/>
+            <a:pPr lvl="0"/>
+            <a:r>
+              <a:rPr lang="en-CA" sz="2000" i="1" dirty="0" smtClean="0">
+                <a:solidFill>
+                  <a:prstClr val="black"/>
+                </a:solidFill>
+                <a:latin typeface="Perpetua"/>
               </a:rPr>
-              <a:t>Count(*)</a:t>
-            </a:r>
-            <a:endParaRPr lang="en-CA" sz="2000" dirty="0">
-              <a:latin typeface="+mn-lt"/>
+              <a:t>q</a:t>
+            </a:r>
+            <a:r>
+              <a:rPr lang="en-CA" sz="2000" i="1" baseline="-25000" dirty="0" smtClean="0">
+                <a:solidFill>
+                  <a:prstClr val="black"/>
+                </a:solidFill>
+                <a:latin typeface="Perpetua"/>
+              </a:rPr>
+              <a:t>2</a:t>
+            </a:r>
+            <a:endParaRPr lang="en-CA" sz="2000" i="1" baseline="-25000" dirty="0">
+              <a:solidFill>
+                <a:prstClr val="black"/>
+              </a:solidFill>
+              <a:latin typeface="Perpetua"/>
             </a:endParaRPr>
           </a:p>
         </p:txBody>
@@ -13569,12 +13767,18 @@
           <a:lstStyle/>
           <a:p>
             <a:r>
-              <a:rPr lang="en-CA" sz="2000" dirty="0" smtClean="0">
+              <a:rPr lang="en-CA" sz="2000" i="1" dirty="0" smtClean="0">
                 <a:latin typeface="+mn-lt"/>
               </a:rPr>
-              <a:t>Count(*)</a:t>
-            </a:r>
-            <a:endParaRPr lang="en-CA" sz="2000" dirty="0">
+              <a:t>q</a:t>
+            </a:r>
+            <a:r>
+              <a:rPr lang="en-CA" sz="2000" i="1" baseline="-25000" dirty="0" smtClean="0">
+                <a:latin typeface="+mn-lt"/>
+              </a:rPr>
+              <a:t>1</a:t>
+            </a:r>
+            <a:endParaRPr lang="en-CA" sz="2000" i="1" baseline="-25000" dirty="0">
               <a:latin typeface="+mn-lt"/>
             </a:endParaRPr>
           </a:p>

--- a/ch3-par-learning.pptx
+++ b/ch3-par-learning.pptx
@@ -311,7 +311,7 @@
               <a:pPr>
                 <a:defRPr/>
               </a:pPr>
-              <a:t>2016-09-24</a:t>
+              <a:t>16-09-08</a:t>
             </a:fld>
             <a:endParaRPr lang="en-US"/>
           </a:p>
@@ -527,7 +527,7 @@
               <a:pPr>
                 <a:defRPr/>
               </a:pPr>
-              <a:t>2016-09-24</a:t>
+              <a:t>16-09-08</a:t>
             </a:fld>
             <a:endParaRPr lang="en-US"/>
           </a:p>
@@ -901,6 +901,10 @@
           <a:bodyPr/>
           <a:lstStyle/>
           <a:p>
+            <a:r>
+              <a:rPr lang="en-US" dirty="0" smtClean="0"/>
+              <a:t>use open Markov in Bristol</a:t>
+            </a:r>
             <a:endParaRPr lang="en-US" dirty="0"/>
           </a:p>
         </p:txBody>
@@ -1776,6 +1780,14 @@
           <a:bodyPr/>
           <a:lstStyle/>
           <a:p>
+            <a:r>
+              <a:rPr lang="en-US" dirty="0" smtClean="0"/>
+              <a:t>TODO </a:t>
+            </a:r>
+            <a:r>
+              <a:rPr lang="en-US" smtClean="0"/>
+              <a:t>add citation</a:t>
+            </a:r>
             <a:endParaRPr lang="en-US" dirty="0"/>
           </a:p>
         </p:txBody>
@@ -2114,23 +2126,8 @@
           <a:p>
             <a:r>
               <a:rPr lang="en-US" baseline="0" dirty="0" smtClean="0"/>
-              <a:t>Horror is always </a:t>
-            </a:r>
-            <a:r>
-              <a:rPr lang="en-US" baseline="0" dirty="0" smtClean="0"/>
-              <a:t>false</a:t>
-            </a:r>
-          </a:p>
-          <a:p>
-            <a:r>
-              <a:rPr lang="en-US" baseline="0" dirty="0" smtClean="0"/>
-              <a:t>P_B is the joint probability from the Bayes net. This is the product of conditional probabilities from the </a:t>
-            </a:r>
-            <a:r>
-              <a:rPr lang="en-US" baseline="0" smtClean="0"/>
-              <a:t>CP table.</a:t>
-            </a:r>
-            <a:endParaRPr lang="en-US" baseline="0" dirty="0" smtClean="0"/>
+              <a:t>Horror is always false</a:t>
+            </a:r>
           </a:p>
           <a:p>
             <a:endParaRPr lang="en-US" dirty="0"/>
@@ -2888,7 +2885,7 @@
               <a:pPr>
                 <a:defRPr/>
               </a:pPr>
-              <a:t>2016-09-24</a:t>
+              <a:t>16-09-08</a:t>
             </a:fld>
             <a:endParaRPr lang="en-US"/>
           </a:p>
@@ -3089,7 +3086,7 @@
               <a:pPr>
                 <a:defRPr/>
               </a:pPr>
-              <a:t>2016-09-24</a:t>
+              <a:t>16-09-08</a:t>
             </a:fld>
             <a:endParaRPr lang="en-US"/>
           </a:p>
@@ -3300,7 +3297,7 @@
               <a:pPr>
                 <a:defRPr/>
               </a:pPr>
-              <a:t>2016-09-24</a:t>
+              <a:t>16-09-08</a:t>
             </a:fld>
             <a:endParaRPr lang="en-US"/>
           </a:p>
@@ -3506,7 +3503,7 @@
               <a:pPr>
                 <a:defRPr/>
               </a:pPr>
-              <a:t>2016-09-24</a:t>
+              <a:t>16-09-08</a:t>
             </a:fld>
             <a:endParaRPr lang="en-US"/>
           </a:p>
@@ -4025,7 +4022,7 @@
               <a:pPr>
                 <a:defRPr/>
               </a:pPr>
-              <a:t>2016-09-24</a:t>
+              <a:t>16-09-08</a:t>
             </a:fld>
             <a:endParaRPr lang="en-US"/>
           </a:p>
@@ -4298,7 +4295,7 @@
               <a:pPr>
                 <a:defRPr/>
               </a:pPr>
-              <a:t>2016-09-24</a:t>
+              <a:t>16-09-08</a:t>
             </a:fld>
             <a:endParaRPr lang="en-US"/>
           </a:p>
@@ -4696,7 +4693,7 @@
               <a:pPr>
                 <a:defRPr/>
               </a:pPr>
-              <a:t>2016-09-24</a:t>
+              <a:t>16-09-08</a:t>
             </a:fld>
             <a:endParaRPr lang="en-US"/>
           </a:p>
@@ -4845,7 +4842,7 @@
               <a:pPr>
                 <a:defRPr/>
               </a:pPr>
-              <a:t>2016-09-24</a:t>
+              <a:t>16-09-08</a:t>
             </a:fld>
             <a:endParaRPr lang="en-US"/>
           </a:p>
@@ -4971,7 +4968,7 @@
               <a:pPr>
                 <a:defRPr/>
               </a:pPr>
-              <a:t>2016-09-24</a:t>
+              <a:t>16-09-08</a:t>
             </a:fld>
             <a:endParaRPr lang="en-US"/>
           </a:p>
@@ -5347,7 +5344,7 @@
               <a:pPr>
                 <a:defRPr/>
               </a:pPr>
-              <a:t>2016-09-24</a:t>
+              <a:t>16-09-08</a:t>
             </a:fld>
             <a:endParaRPr lang="en-US"/>
           </a:p>
@@ -5770,7 +5767,7 @@
               <a:pPr>
                 <a:defRPr/>
               </a:pPr>
-              <a:t>2016-09-24</a:t>
+              <a:t>16-09-08</a:t>
             </a:fld>
             <a:endParaRPr lang="en-US"/>
           </a:p>
@@ -6190,7 +6187,7 @@
               <a:pPr>
                 <a:defRPr/>
               </a:pPr>
-              <a:t>2016-09-24</a:t>
+              <a:t>16-09-08</a:t>
             </a:fld>
             <a:endParaRPr lang="en-US"/>
           </a:p>
@@ -7137,6 +7134,46 @@
       </p:sp>
       <p:sp>
         <p:nvSpPr>
+          <p:cNvPr id="5" name="TextBox 4"/>
+          <p:cNvSpPr txBox="1"/>
+          <p:nvPr/>
+        </p:nvSpPr>
+        <p:spPr>
+          <a:xfrm>
+            <a:off x="6048778" y="2924563"/>
+            <a:ext cx="2241062" cy="523220"/>
+          </a:xfrm>
+          <a:prstGeom prst="rect">
+            <a:avLst/>
+          </a:prstGeom>
+          <a:noFill/>
+        </p:spPr>
+        <p:txBody>
+          <a:bodyPr wrap="square" rtlCol="0">
+            <a:spAutoFit/>
+          </a:bodyPr>
+          <a:lstStyle/>
+          <a:p>
+            <a:r>
+              <a:rPr lang="en-US" sz="2800" dirty="0" smtClean="0">
+                <a:solidFill>
+                  <a:srgbClr val="3366FF"/>
+                </a:solidFill>
+                <a:latin typeface="+mn-lt"/>
+              </a:rPr>
+              <a:t>lattice search</a:t>
+            </a:r>
+            <a:endParaRPr lang="en-US" sz="2800" dirty="0">
+              <a:solidFill>
+                <a:srgbClr val="3366FF"/>
+              </a:solidFill>
+              <a:latin typeface="+mn-lt"/>
+            </a:endParaRPr>
+          </a:p>
+        </p:txBody>
+      </p:sp>
+      <p:sp>
+        <p:nvSpPr>
           <p:cNvPr id="7" name="TextBox 6"/>
           <p:cNvSpPr txBox="1"/>
           <p:nvPr/>
@@ -7185,6 +7222,39 @@
           <a:xfrm flipH="1" flipV="1">
             <a:off x="6480404" y="4220308"/>
             <a:ext cx="525921" cy="112043"/>
+          </a:xfrm>
+          <a:prstGeom prst="straightConnector1">
+            <a:avLst/>
+          </a:prstGeom>
+          <a:ln>
+            <a:tailEnd type="arrow"/>
+          </a:ln>
+        </p:spPr>
+        <p:style>
+          <a:lnRef idx="2">
+            <a:schemeClr val="accent1"/>
+          </a:lnRef>
+          <a:fillRef idx="0">
+            <a:schemeClr val="accent1"/>
+          </a:fillRef>
+          <a:effectRef idx="1">
+            <a:schemeClr val="accent1"/>
+          </a:effectRef>
+          <a:fontRef idx="minor">
+            <a:schemeClr val="tx1"/>
+          </a:fontRef>
+        </p:style>
+      </p:cxnSp>
+      <p:cxnSp>
+        <p:nvCxnSpPr>
+          <p:cNvPr id="11" name="Straight Arrow Connector 10"/>
+          <p:cNvCxnSpPr/>
+          <p:nvPr/>
+        </p:nvCxnSpPr>
+        <p:spPr>
+          <a:xfrm flipH="1">
+            <a:off x="5378550" y="3211418"/>
+            <a:ext cx="670228" cy="0"/>
           </a:xfrm>
           <a:prstGeom prst="straightConnector1">
             <a:avLst/>
@@ -9929,26 +9999,18 @@
             <p:ph type="ftr" sz="quarter" idx="11"/>
           </p:nvPr>
         </p:nvSpPr>
-        <p:spPr>
-          <a:xfrm>
-            <a:off x="914399" y="6172200"/>
-            <a:ext cx="6612451" cy="457200"/>
-          </a:xfrm>
-        </p:spPr>
+        <p:spPr/>
         <p:txBody>
           <a:bodyPr/>
           <a:lstStyle/>
           <a:p>
-            <a:r>
-              <a:rPr lang="en-US" dirty="0"/>
-              <a:t>Schulte, O. (2011), A tractable pseudo-likelihood function for Bayes Nets applied to relational data, </a:t>
-            </a:r>
-            <a:r>
-              <a:rPr lang="en-US" i="1" dirty="0"/>
-              <a:t>in 'SIAM SDM', pp. 462-473.</a:t>
-            </a:r>
-          </a:p>
-          <a:p>
+            <a:pPr>
+              <a:defRPr/>
+            </a:pPr>
+            <a:r>
+              <a:rPr lang="en-US" dirty="0" smtClean="0"/>
+              <a:t>Learning Bayesian Networks for Complex Relational Data</a:t>
+            </a:r>
             <a:endParaRPr lang="en-US" dirty="0"/>
           </a:p>
         </p:txBody>
@@ -11716,19 +11778,7 @@
           <a:p>
             <a:r>
               <a:rPr lang="en-US" sz="2800" dirty="0" smtClean="0"/>
-              <a:t>For single relation compute </a:t>
-            </a:r>
-            <a:r>
-              <a:rPr lang="en-US" sz="2800" dirty="0"/>
-              <a:t>P</a:t>
-            </a:r>
-            <a:r>
-              <a:rPr lang="en-US" sz="2800" baseline="-25000" dirty="0"/>
-              <a:t>D </a:t>
-            </a:r>
-            <a:r>
-              <a:rPr lang="en-US" sz="2800" dirty="0" smtClean="0"/>
-              <a:t>(R = F) using 1-minus trick (</a:t>
+              <a:t>For single relation compute P(R = F) using 1-minus trick (</a:t>
             </a:r>
             <a:r>
               <a:rPr lang="en-US" sz="2800" dirty="0" err="1" smtClean="0"/>
@@ -11748,73 +11798,50 @@
           <a:p>
             <a:pPr lvl="1"/>
             <a:r>
-              <a:rPr lang="en-US" sz="2800" i="1" dirty="0"/>
-              <a:t>P</a:t>
-            </a:r>
-            <a:r>
-              <a:rPr lang="en-US" sz="2800" i="1" baseline="-25000" dirty="0"/>
-              <a:t>D</a:t>
-            </a:r>
-            <a:r>
-              <a:rPr lang="en-US" sz="2800" i="1" dirty="0" smtClean="0"/>
+              <a:rPr lang="en-US" sz="2800" dirty="0" smtClean="0"/>
+              <a:t>P(</a:t>
+            </a:r>
+            <a:r>
+              <a:rPr lang="en-US" sz="2800" dirty="0" err="1" smtClean="0"/>
+              <a:t>HasRated</a:t>
+            </a:r>
+            <a:r>
+              <a:rPr lang="en-US" sz="2800" dirty="0" smtClean="0"/>
               <a:t>(</a:t>
             </a:r>
             <a:r>
-              <a:rPr lang="en-US" sz="2800" i="1" dirty="0" err="1" smtClean="0"/>
+              <a:rPr lang="en-US" sz="2800" dirty="0" err="1" smtClean="0"/>
+              <a:t>User,Movie</a:t>
+            </a:r>
+            <a:r>
+              <a:rPr lang="en-US" sz="2800" dirty="0" smtClean="0"/>
+              <a:t>) = T) = 4.27%</a:t>
+            </a:r>
+          </a:p>
+          <a:p>
+            <a:pPr lvl="1"/>
+            <a:r>
+              <a:rPr lang="en-US" sz="2800" dirty="0"/>
+              <a:t>P(</a:t>
+            </a:r>
+            <a:r>
+              <a:rPr lang="en-US" sz="2800" dirty="0" err="1"/>
               <a:t>HasRated</a:t>
             </a:r>
             <a:r>
-              <a:rPr lang="en-US" sz="2800" i="1" dirty="0" smtClean="0"/>
+              <a:rPr lang="en-US" sz="2800" dirty="0"/>
               <a:t>(</a:t>
             </a:r>
             <a:r>
-              <a:rPr lang="en-US" sz="2800" i="1" dirty="0" err="1" smtClean="0"/>
+              <a:rPr lang="en-US" sz="2800" dirty="0" err="1"/>
               <a:t>User,Movie</a:t>
             </a:r>
             <a:r>
-              <a:rPr lang="en-US" sz="2800" i="1" dirty="0" smtClean="0"/>
-              <a:t>) = T)</a:t>
+              <a:rPr lang="en-US" sz="2800" dirty="0"/>
+              <a:t>) = </a:t>
             </a:r>
             <a:r>
               <a:rPr lang="en-US" sz="2800" dirty="0" smtClean="0"/>
-              <a:t> = 4.27%</a:t>
-            </a:r>
-          </a:p>
-          <a:p>
-            <a:pPr lvl="1">
-              <a:buFont typeface="Wingdings" charset="2"/>
-              <a:buChar char="Ø"/>
-            </a:pPr>
-            <a:r>
-              <a:rPr lang="en-US" sz="2800" i="1" dirty="0"/>
-              <a:t>P</a:t>
-            </a:r>
-            <a:r>
-              <a:rPr lang="en-US" sz="2800" i="1" baseline="-25000" dirty="0"/>
-              <a:t>D</a:t>
-            </a:r>
-            <a:r>
-              <a:rPr lang="en-US" sz="2800" i="1" dirty="0" smtClean="0"/>
-              <a:t>(</a:t>
-            </a:r>
-            <a:r>
-              <a:rPr lang="en-US" sz="2800" i="1" dirty="0" err="1"/>
-              <a:t>HasRated</a:t>
-            </a:r>
-            <a:r>
-              <a:rPr lang="en-US" sz="2800" i="1" dirty="0"/>
-              <a:t>(</a:t>
-            </a:r>
-            <a:r>
-              <a:rPr lang="en-US" sz="2800" i="1" dirty="0" err="1"/>
-              <a:t>User,Movie</a:t>
-            </a:r>
-            <a:r>
-              <a:rPr lang="en-US" sz="2800" i="1" dirty="0"/>
-              <a:t>) = </a:t>
-            </a:r>
-            <a:r>
-              <a:rPr lang="en-US" sz="2800" i="1" dirty="0" smtClean="0"/>
               <a:t>F) </a:t>
             </a:r>
             <a:r>
@@ -11831,46 +11858,7 @@
               <a:rPr lang="en-US" sz="3000" dirty="0" smtClean="0"/>
               <a:t>How to generalize to multiple relations?</a:t>
             </a:r>
-          </a:p>
-          <a:p>
-            <a:pPr lvl="1"/>
-            <a:r>
-              <a:rPr lang="en-US" sz="2800" i="1" dirty="0"/>
-              <a:t>P</a:t>
-            </a:r>
-            <a:r>
-              <a:rPr lang="en-US" sz="2800" i="1" baseline="-25000" dirty="0"/>
-              <a:t>D</a:t>
-            </a:r>
-            <a:r>
-              <a:rPr lang="en-US" sz="2800" dirty="0" smtClean="0"/>
-              <a:t>(ActsIn(</a:t>
-            </a:r>
-            <a:r>
-              <a:rPr lang="en-US" sz="2800" dirty="0" err="1" smtClean="0"/>
-              <a:t>Actor,Movie</a:t>
-            </a:r>
-            <a:r>
-              <a:rPr lang="en-US" sz="2800" dirty="0" smtClean="0"/>
-              <a:t>)=</a:t>
-            </a:r>
-            <a:r>
-              <a:rPr lang="en-US" sz="2800" dirty="0" err="1" smtClean="0"/>
-              <a:t>F,HasRated</a:t>
-            </a:r>
-            <a:r>
-              <a:rPr lang="en-US" sz="2800" dirty="0" smtClean="0"/>
-              <a:t>(</a:t>
-            </a:r>
-            <a:r>
-              <a:rPr lang="en-US" sz="2800" dirty="0" err="1" smtClean="0"/>
-              <a:t>User,Movie</a:t>
-            </a:r>
-            <a:r>
-              <a:rPr lang="en-US" sz="2800" dirty="0" smtClean="0"/>
-              <a:t>)=F)</a:t>
-            </a:r>
-            <a:endParaRPr lang="en-US" sz="2800" dirty="0"/>
+            <a:endParaRPr lang="en-US" sz="3000" dirty="0"/>
           </a:p>
           <a:p>
             <a:pPr lvl="1"/>
@@ -12221,30 +12209,14 @@
             </a:bodyPr>
             <a:lstStyle/>
             <a:p>
-              <a:pPr lvl="0"/>
               <a:r>
-                <a:rPr lang="en-CA" sz="2000" i="1" dirty="0" smtClean="0">
-                  <a:solidFill>
-                    <a:prstClr val="black"/>
-                  </a:solidFill>
-                  <a:latin typeface="Perpetua"/>
+                <a:rPr lang="en-CA" sz="2000" dirty="0" smtClean="0">
+                  <a:latin typeface="+mn-lt"/>
                 </a:rPr>
-                <a:t>p</a:t>
+                <a:t>Count(*)</a:t>
               </a:r>
-              <a:r>
-                <a:rPr lang="en-CA" sz="2000" i="1" baseline="-25000" dirty="0" smtClean="0">
-                  <a:solidFill>
-                    <a:prstClr val="black"/>
-                  </a:solidFill>
-                  <a:latin typeface="Perpetua"/>
-                </a:rPr>
-                <a:t>4</a:t>
-              </a:r>
-              <a:endParaRPr lang="en-CA" sz="2000" i="1" baseline="-25000" dirty="0">
-                <a:solidFill>
-                  <a:prstClr val="black"/>
-                </a:solidFill>
-                <a:latin typeface="Perpetua"/>
+              <a:endParaRPr lang="en-CA" sz="2000" dirty="0">
+                <a:latin typeface="+mn-lt"/>
               </a:endParaRPr>
             </a:p>
           </p:txBody>
@@ -12466,30 +12438,14 @@
               </a:bodyPr>
               <a:lstStyle/>
               <a:p>
-                <a:pPr lvl="0"/>
                 <a:r>
-                  <a:rPr lang="en-CA" sz="2000" i="1" dirty="0" smtClean="0">
-                    <a:solidFill>
-                      <a:prstClr val="black"/>
-                    </a:solidFill>
-                    <a:latin typeface="Perpetua"/>
+                  <a:rPr lang="en-CA" sz="2000" dirty="0" smtClean="0">
+                    <a:latin typeface="+mn-lt"/>
                   </a:rPr>
-                  <a:t>p</a:t>
+                  <a:t>Count(*)</a:t>
                 </a:r>
-                <a:r>
-                  <a:rPr lang="en-CA" sz="2000" i="1" baseline="-25000" dirty="0" smtClean="0">
-                    <a:solidFill>
-                      <a:prstClr val="black"/>
-                    </a:solidFill>
-                    <a:latin typeface="Perpetua"/>
-                  </a:rPr>
-                  <a:t>3</a:t>
-                </a:r>
-                <a:endParaRPr lang="en-CA" sz="2000" i="1" baseline="-25000" dirty="0">
-                  <a:solidFill>
-                    <a:prstClr val="black"/>
-                  </a:solidFill>
-                  <a:latin typeface="Perpetua"/>
+                <a:endParaRPr lang="en-CA" sz="2000" dirty="0">
+                  <a:latin typeface="+mn-lt"/>
                 </a:endParaRPr>
               </a:p>
             </p:txBody>
@@ -12773,30 +12729,14 @@
             </a:bodyPr>
             <a:lstStyle/>
             <a:p>
-              <a:pPr lvl="0"/>
               <a:r>
-                <a:rPr lang="en-CA" sz="2000" i="1" dirty="0" smtClean="0">
-                  <a:solidFill>
-                    <a:prstClr val="black"/>
-                  </a:solidFill>
-                  <a:latin typeface="Perpetua"/>
+                <a:rPr lang="en-CA" sz="2000" dirty="0" smtClean="0">
+                  <a:latin typeface="+mn-lt"/>
                 </a:rPr>
-                <a:t>p</a:t>
+                <a:t>Count(*)</a:t>
               </a:r>
-              <a:r>
-                <a:rPr lang="en-CA" sz="2000" i="1" baseline="-25000" dirty="0" smtClean="0">
-                  <a:solidFill>
-                    <a:prstClr val="black"/>
-                  </a:solidFill>
-                  <a:latin typeface="Perpetua"/>
-                </a:rPr>
-                <a:t>2</a:t>
-              </a:r>
-              <a:endParaRPr lang="en-CA" sz="2000" i="1" baseline="-25000" dirty="0">
-                <a:solidFill>
-                  <a:prstClr val="black"/>
-                </a:solidFill>
-                <a:latin typeface="Perpetua"/>
+              <a:endParaRPr lang="en-CA" sz="2000" dirty="0">
+                <a:latin typeface="+mn-lt"/>
               </a:endParaRPr>
             </a:p>
           </p:txBody>
@@ -13093,30 +13033,14 @@
               </a:bodyPr>
               <a:lstStyle/>
               <a:p>
-                <a:pPr lvl="0"/>
                 <a:r>
-                  <a:rPr lang="en-CA" sz="2000" i="1" dirty="0" smtClean="0">
-                    <a:solidFill>
-                      <a:prstClr val="black"/>
-                    </a:solidFill>
-                    <a:latin typeface="Perpetua"/>
+                  <a:rPr lang="en-CA" sz="2000" dirty="0" smtClean="0">
+                    <a:latin typeface="+mn-lt"/>
                   </a:rPr>
-                  <a:t>p</a:t>
+                  <a:t>Count(*)</a:t>
                 </a:r>
-                <a:r>
-                  <a:rPr lang="en-CA" sz="2000" i="1" baseline="-25000" dirty="0" smtClean="0">
-                    <a:solidFill>
-                      <a:prstClr val="black"/>
-                    </a:solidFill>
-                    <a:latin typeface="Perpetua"/>
-                  </a:rPr>
-                  <a:t>1</a:t>
-                </a:r>
-                <a:endParaRPr lang="en-CA" sz="2000" i="1" baseline="-25000" dirty="0">
-                  <a:solidFill>
-                    <a:prstClr val="black"/>
-                  </a:solidFill>
-                  <a:latin typeface="Perpetua"/>
+                <a:endParaRPr lang="en-CA" sz="2000" dirty="0">
+                  <a:latin typeface="+mn-lt"/>
                 </a:endParaRPr>
               </a:p>
             </p:txBody>
@@ -13464,30 +13388,14 @@
             </a:bodyPr>
             <a:lstStyle/>
             <a:p>
-              <a:pPr lvl="0"/>
               <a:r>
-                <a:rPr lang="en-CA" sz="2000" i="1" dirty="0" smtClean="0">
-                  <a:solidFill>
-                    <a:prstClr val="black"/>
-                  </a:solidFill>
-                  <a:latin typeface="Perpetua"/>
+                <a:rPr lang="en-CA" sz="2000" dirty="0" smtClean="0">
+                  <a:latin typeface="+mn-lt"/>
                 </a:rPr>
-                <a:t>q</a:t>
+                <a:t>Count(*)</a:t>
               </a:r>
-              <a:r>
-                <a:rPr lang="en-CA" sz="2000" i="1" baseline="-25000" dirty="0" smtClean="0">
-                  <a:solidFill>
-                    <a:prstClr val="black"/>
-                  </a:solidFill>
-                  <a:latin typeface="Perpetua"/>
-                </a:rPr>
-                <a:t>4</a:t>
-              </a:r>
-              <a:endParaRPr lang="en-CA" sz="2000" i="1" baseline="-25000" dirty="0">
-                <a:solidFill>
-                  <a:prstClr val="black"/>
-                </a:solidFill>
-                <a:latin typeface="Perpetua"/>
+              <a:endParaRPr lang="en-CA" sz="2000" dirty="0">
+                <a:latin typeface="+mn-lt"/>
               </a:endParaRPr>
             </a:p>
           </p:txBody>
@@ -13589,30 +13497,14 @@
           </a:bodyPr>
           <a:lstStyle/>
           <a:p>
-            <a:pPr lvl="0"/>
-            <a:r>
-              <a:rPr lang="en-CA" sz="2000" i="1" dirty="0" smtClean="0">
-                <a:solidFill>
-                  <a:prstClr val="black"/>
-                </a:solidFill>
-                <a:latin typeface="Perpetua"/>
+            <a:r>
+              <a:rPr lang="en-CA" sz="2000" dirty="0" smtClean="0">
+                <a:latin typeface="+mn-lt"/>
               </a:rPr>
-              <a:t>q</a:t>
-            </a:r>
-            <a:r>
-              <a:rPr lang="en-CA" sz="2000" i="1" baseline="-25000" dirty="0" smtClean="0">
-                <a:solidFill>
-                  <a:prstClr val="black"/>
-                </a:solidFill>
-                <a:latin typeface="Perpetua"/>
-              </a:rPr>
-              <a:t>3</a:t>
-            </a:r>
-            <a:endParaRPr lang="en-CA" sz="2000" i="1" baseline="-25000" dirty="0">
-              <a:solidFill>
-                <a:prstClr val="black"/>
-              </a:solidFill>
-              <a:latin typeface="Perpetua"/>
+              <a:t>Count(*)</a:t>
+            </a:r>
+            <a:endParaRPr lang="en-CA" sz="2000" dirty="0">
+              <a:latin typeface="+mn-lt"/>
             </a:endParaRPr>
           </a:p>
         </p:txBody>
@@ -13716,30 +13608,14 @@
           </a:bodyPr>
           <a:lstStyle/>
           <a:p>
-            <a:pPr lvl="0"/>
-            <a:r>
-              <a:rPr lang="en-CA" sz="2000" i="1" dirty="0" smtClean="0">
-                <a:solidFill>
-                  <a:prstClr val="black"/>
-                </a:solidFill>
-                <a:latin typeface="Perpetua"/>
+            <a:r>
+              <a:rPr lang="en-CA" sz="2000" dirty="0" smtClean="0">
+                <a:latin typeface="+mn-lt"/>
               </a:rPr>
-              <a:t>q</a:t>
-            </a:r>
-            <a:r>
-              <a:rPr lang="en-CA" sz="2000" i="1" baseline="-25000" dirty="0" smtClean="0">
-                <a:solidFill>
-                  <a:prstClr val="black"/>
-                </a:solidFill>
-                <a:latin typeface="Perpetua"/>
-              </a:rPr>
-              <a:t>2</a:t>
-            </a:r>
-            <a:endParaRPr lang="en-CA" sz="2000" i="1" baseline="-25000" dirty="0">
-              <a:solidFill>
-                <a:prstClr val="black"/>
-              </a:solidFill>
-              <a:latin typeface="Perpetua"/>
+              <a:t>Count(*)</a:t>
+            </a:r>
+            <a:endParaRPr lang="en-CA" sz="2000" dirty="0">
+              <a:latin typeface="+mn-lt"/>
             </a:endParaRPr>
           </a:p>
         </p:txBody>
@@ -13767,18 +13643,12 @@
           <a:lstStyle/>
           <a:p>
             <a:r>
-              <a:rPr lang="en-CA" sz="2000" i="1" dirty="0" smtClean="0">
+              <a:rPr lang="en-CA" sz="2000" dirty="0" smtClean="0">
                 <a:latin typeface="+mn-lt"/>
               </a:rPr>
-              <a:t>q</a:t>
-            </a:r>
-            <a:r>
-              <a:rPr lang="en-CA" sz="2000" i="1" baseline="-25000" dirty="0" smtClean="0">
-                <a:latin typeface="+mn-lt"/>
-              </a:rPr>
-              <a:t>1</a:t>
-            </a:r>
-            <a:endParaRPr lang="en-CA" sz="2000" i="1" baseline="-25000" dirty="0">
+              <a:t>Count(*)</a:t>
+            </a:r>
+            <a:endParaRPr lang="en-CA" sz="2000" dirty="0">
               <a:latin typeface="+mn-lt"/>
             </a:endParaRPr>
           </a:p>

--- a/ch3-par-learning.pptx
+++ b/ch3-par-learning.pptx
@@ -311,7 +311,7 @@
               <a:pPr>
                 <a:defRPr/>
               </a:pPr>
-              <a:t>16-09-08</a:t>
+              <a:t>2017-02-02</a:t>
             </a:fld>
             <a:endParaRPr lang="en-US"/>
           </a:p>
@@ -527,7 +527,7 @@
               <a:pPr>
                 <a:defRPr/>
               </a:pPr>
-              <a:t>16-09-08</a:t>
+              <a:t>2017-02-02</a:t>
             </a:fld>
             <a:endParaRPr lang="en-US"/>
           </a:p>
@@ -901,10 +901,6 @@
           <a:bodyPr/>
           <a:lstStyle/>
           <a:p>
-            <a:r>
-              <a:rPr lang="en-US" dirty="0" smtClean="0"/>
-              <a:t>use open Markov in Bristol</a:t>
-            </a:r>
             <a:endParaRPr lang="en-US" dirty="0"/>
           </a:p>
         </p:txBody>
@@ -1780,14 +1776,6 @@
           <a:bodyPr/>
           <a:lstStyle/>
           <a:p>
-            <a:r>
-              <a:rPr lang="en-US" dirty="0" smtClean="0"/>
-              <a:t>TODO </a:t>
-            </a:r>
-            <a:r>
-              <a:rPr lang="en-US" smtClean="0"/>
-              <a:t>add citation</a:t>
-            </a:r>
             <a:endParaRPr lang="en-US" dirty="0"/>
           </a:p>
         </p:txBody>
@@ -2128,6 +2116,17 @@
               <a:rPr lang="en-US" baseline="0" dirty="0" smtClean="0"/>
               <a:t>Horror is always false</a:t>
             </a:r>
+          </a:p>
+          <a:p>
+            <a:r>
+              <a:rPr lang="en-US" baseline="0" dirty="0" smtClean="0"/>
+              <a:t>P_B is the joint probability from the Bayes net. This is the product of conditional probabilities from the </a:t>
+            </a:r>
+            <a:r>
+              <a:rPr lang="en-US" baseline="0" smtClean="0"/>
+              <a:t>CP table.</a:t>
+            </a:r>
+            <a:endParaRPr lang="en-US" baseline="0" dirty="0" smtClean="0"/>
           </a:p>
           <a:p>
             <a:endParaRPr lang="en-US" dirty="0"/>
@@ -2885,7 +2884,7 @@
               <a:pPr>
                 <a:defRPr/>
               </a:pPr>
-              <a:t>16-09-08</a:t>
+              <a:t>2017-02-02</a:t>
             </a:fld>
             <a:endParaRPr lang="en-US"/>
           </a:p>
@@ -3086,7 +3085,7 @@
               <a:pPr>
                 <a:defRPr/>
               </a:pPr>
-              <a:t>16-09-08</a:t>
+              <a:t>2017-02-02</a:t>
             </a:fld>
             <a:endParaRPr lang="en-US"/>
           </a:p>
@@ -3297,7 +3296,7 @@
               <a:pPr>
                 <a:defRPr/>
               </a:pPr>
-              <a:t>16-09-08</a:t>
+              <a:t>2017-02-02</a:t>
             </a:fld>
             <a:endParaRPr lang="en-US"/>
           </a:p>
@@ -3503,7 +3502,7 @@
               <a:pPr>
                 <a:defRPr/>
               </a:pPr>
-              <a:t>16-09-08</a:t>
+              <a:t>2017-02-02</a:t>
             </a:fld>
             <a:endParaRPr lang="en-US"/>
           </a:p>
@@ -4022,7 +4021,7 @@
               <a:pPr>
                 <a:defRPr/>
               </a:pPr>
-              <a:t>16-09-08</a:t>
+              <a:t>2017-02-02</a:t>
             </a:fld>
             <a:endParaRPr lang="en-US"/>
           </a:p>
@@ -4295,7 +4294,7 @@
               <a:pPr>
                 <a:defRPr/>
               </a:pPr>
-              <a:t>16-09-08</a:t>
+              <a:t>2017-02-02</a:t>
             </a:fld>
             <a:endParaRPr lang="en-US"/>
           </a:p>
@@ -4693,7 +4692,7 @@
               <a:pPr>
                 <a:defRPr/>
               </a:pPr>
-              <a:t>16-09-08</a:t>
+              <a:t>2017-02-02</a:t>
             </a:fld>
             <a:endParaRPr lang="en-US"/>
           </a:p>
@@ -4842,7 +4841,7 @@
               <a:pPr>
                 <a:defRPr/>
               </a:pPr>
-              <a:t>16-09-08</a:t>
+              <a:t>2017-02-02</a:t>
             </a:fld>
             <a:endParaRPr lang="en-US"/>
           </a:p>
@@ -4968,7 +4967,7 @@
               <a:pPr>
                 <a:defRPr/>
               </a:pPr>
-              <a:t>16-09-08</a:t>
+              <a:t>2017-02-02</a:t>
             </a:fld>
             <a:endParaRPr lang="en-US"/>
           </a:p>
@@ -5344,7 +5343,7 @@
               <a:pPr>
                 <a:defRPr/>
               </a:pPr>
-              <a:t>16-09-08</a:t>
+              <a:t>2017-02-02</a:t>
             </a:fld>
             <a:endParaRPr lang="en-US"/>
           </a:p>
@@ -5767,7 +5766,7 @@
               <a:pPr>
                 <a:defRPr/>
               </a:pPr>
-              <a:t>16-09-08</a:t>
+              <a:t>2017-02-02</a:t>
             </a:fld>
             <a:endParaRPr lang="en-US"/>
           </a:p>
@@ -6187,7 +6186,7 @@
               <a:pPr>
                 <a:defRPr/>
               </a:pPr>
-              <a:t>16-09-08</a:t>
+              <a:t>2017-02-02</a:t>
             </a:fld>
             <a:endParaRPr lang="en-US"/>
           </a:p>
@@ -7134,46 +7133,6 @@
       </p:sp>
       <p:sp>
         <p:nvSpPr>
-          <p:cNvPr id="5" name="TextBox 4"/>
-          <p:cNvSpPr txBox="1"/>
-          <p:nvPr/>
-        </p:nvSpPr>
-        <p:spPr>
-          <a:xfrm>
-            <a:off x="6048778" y="2924563"/>
-            <a:ext cx="2241062" cy="523220"/>
-          </a:xfrm>
-          <a:prstGeom prst="rect">
-            <a:avLst/>
-          </a:prstGeom>
-          <a:noFill/>
-        </p:spPr>
-        <p:txBody>
-          <a:bodyPr wrap="square" rtlCol="0">
-            <a:spAutoFit/>
-          </a:bodyPr>
-          <a:lstStyle/>
-          <a:p>
-            <a:r>
-              <a:rPr lang="en-US" sz="2800" dirty="0" smtClean="0">
-                <a:solidFill>
-                  <a:srgbClr val="3366FF"/>
-                </a:solidFill>
-                <a:latin typeface="+mn-lt"/>
-              </a:rPr>
-              <a:t>lattice search</a:t>
-            </a:r>
-            <a:endParaRPr lang="en-US" sz="2800" dirty="0">
-              <a:solidFill>
-                <a:srgbClr val="3366FF"/>
-              </a:solidFill>
-              <a:latin typeface="+mn-lt"/>
-            </a:endParaRPr>
-          </a:p>
-        </p:txBody>
-      </p:sp>
-      <p:sp>
-        <p:nvSpPr>
           <p:cNvPr id="7" name="TextBox 6"/>
           <p:cNvSpPr txBox="1"/>
           <p:nvPr/>
@@ -7222,39 +7181,6 @@
           <a:xfrm flipH="1" flipV="1">
             <a:off x="6480404" y="4220308"/>
             <a:ext cx="525921" cy="112043"/>
-          </a:xfrm>
-          <a:prstGeom prst="straightConnector1">
-            <a:avLst/>
-          </a:prstGeom>
-          <a:ln>
-            <a:tailEnd type="arrow"/>
-          </a:ln>
-        </p:spPr>
-        <p:style>
-          <a:lnRef idx="2">
-            <a:schemeClr val="accent1"/>
-          </a:lnRef>
-          <a:fillRef idx="0">
-            <a:schemeClr val="accent1"/>
-          </a:fillRef>
-          <a:effectRef idx="1">
-            <a:schemeClr val="accent1"/>
-          </a:effectRef>
-          <a:fontRef idx="minor">
-            <a:schemeClr val="tx1"/>
-          </a:fontRef>
-        </p:style>
-      </p:cxnSp>
-      <p:cxnSp>
-        <p:nvCxnSpPr>
-          <p:cNvPr id="11" name="Straight Arrow Connector 10"/>
-          <p:cNvCxnSpPr/>
-          <p:nvPr/>
-        </p:nvCxnSpPr>
-        <p:spPr>
-          <a:xfrm flipH="1">
-            <a:off x="5378550" y="3211418"/>
-            <a:ext cx="670228" cy="0"/>
           </a:xfrm>
           <a:prstGeom prst="straightConnector1">
             <a:avLst/>
@@ -9999,18 +9925,26 @@
             <p:ph type="ftr" sz="quarter" idx="11"/>
           </p:nvPr>
         </p:nvSpPr>
-        <p:spPr/>
+        <p:spPr>
+          <a:xfrm>
+            <a:off x="914399" y="6172200"/>
+            <a:ext cx="6612451" cy="457200"/>
+          </a:xfrm>
+        </p:spPr>
         <p:txBody>
           <a:bodyPr/>
           <a:lstStyle/>
           <a:p>
-            <a:pPr>
-              <a:defRPr/>
-            </a:pPr>
-            <a:r>
-              <a:rPr lang="en-US" dirty="0" smtClean="0"/>
-              <a:t>Learning Bayesian Networks for Complex Relational Data</a:t>
-            </a:r>
+            <a:r>
+              <a:rPr lang="en-US" dirty="0"/>
+              <a:t>Schulte, O. (2011), A tractable pseudo-likelihood function for Bayes Nets applied to relational data, </a:t>
+            </a:r>
+            <a:r>
+              <a:rPr lang="en-US" i="1" dirty="0"/>
+              <a:t>in 'SIAM SDM', pp. 462-473.</a:t>
+            </a:r>
+          </a:p>
+          <a:p>
             <a:endParaRPr lang="en-US" dirty="0"/>
           </a:p>
         </p:txBody>
@@ -11778,7 +11712,19 @@
           <a:p>
             <a:r>
               <a:rPr lang="en-US" sz="2800" dirty="0" smtClean="0"/>
-              <a:t>For single relation compute P(R = F) using 1-minus trick (</a:t>
+              <a:t>For single relation compute </a:t>
+            </a:r>
+            <a:r>
+              <a:rPr lang="en-US" sz="2800" dirty="0"/>
+              <a:t>P</a:t>
+            </a:r>
+            <a:r>
+              <a:rPr lang="en-US" sz="2800" baseline="-25000" dirty="0"/>
+              <a:t>D </a:t>
+            </a:r>
+            <a:r>
+              <a:rPr lang="en-US" sz="2800" dirty="0" smtClean="0"/>
+              <a:t>(R = F) using 1-minus trick (</a:t>
             </a:r>
             <a:r>
               <a:rPr lang="en-US" sz="2800" dirty="0" err="1" smtClean="0"/>
@@ -11798,67 +11744,137 @@
           <a:p>
             <a:pPr lvl="1"/>
             <a:r>
+              <a:rPr lang="en-US" sz="2800" i="1" dirty="0"/>
+              <a:t>P</a:t>
+            </a:r>
+            <a:r>
+              <a:rPr lang="en-US" sz="2800" i="1" baseline="-25000" dirty="0"/>
+              <a:t>D</a:t>
+            </a:r>
+            <a:r>
+              <a:rPr lang="en-US" sz="2800" i="1" dirty="0" smtClean="0"/>
+              <a:t>(</a:t>
+            </a:r>
+            <a:r>
+              <a:rPr lang="en-US" sz="2800" i="1" dirty="0" err="1" smtClean="0"/>
+              <a:t>HasRated</a:t>
+            </a:r>
+            <a:r>
+              <a:rPr lang="en-US" sz="2800" i="1" dirty="0" smtClean="0"/>
+              <a:t>(</a:t>
+            </a:r>
+            <a:r>
+              <a:rPr lang="en-US" sz="2800" i="1" dirty="0" err="1" smtClean="0"/>
+              <a:t>User,Movie</a:t>
+            </a:r>
+            <a:r>
+              <a:rPr lang="en-US" sz="2800" i="1" dirty="0" smtClean="0"/>
+              <a:t>) = T)</a:t>
+            </a:r>
+            <a:r>
               <a:rPr lang="en-US" sz="2800" dirty="0" smtClean="0"/>
-              <a:t>P(</a:t>
-            </a:r>
-            <a:r>
-              <a:rPr lang="en-US" sz="2800" dirty="0" err="1" smtClean="0"/>
+              <a:t> = 4.27%</a:t>
+            </a:r>
+          </a:p>
+          <a:p>
+            <a:pPr lvl="1">
+              <a:buFont typeface="Wingdings" charset="2"/>
+              <a:buChar char="Ø"/>
+            </a:pPr>
+            <a:r>
+              <a:rPr lang="en-US" sz="2800" i="1" dirty="0"/>
+              <a:t>P</a:t>
+            </a:r>
+            <a:r>
+              <a:rPr lang="en-US" sz="2800" i="1" baseline="-25000" dirty="0"/>
+              <a:t>D</a:t>
+            </a:r>
+            <a:r>
+              <a:rPr lang="en-US" sz="2800" i="1" dirty="0" smtClean="0"/>
+              <a:t>(</a:t>
+            </a:r>
+            <a:r>
+              <a:rPr lang="en-US" sz="2800" i="1" dirty="0" err="1"/>
               <a:t>HasRated</a:t>
+            </a:r>
+            <a:r>
+              <a:rPr lang="en-US" sz="2800" i="1" dirty="0"/>
+              <a:t>(</a:t>
+            </a:r>
+            <a:r>
+              <a:rPr lang="en-US" sz="2800" i="1" dirty="0" err="1"/>
+              <a:t>User,Movie</a:t>
+            </a:r>
+            <a:r>
+              <a:rPr lang="en-US" sz="2800" i="1" dirty="0"/>
+              <a:t>) = </a:t>
+            </a:r>
+            <a:r>
+              <a:rPr lang="en-US" sz="2800" i="1" dirty="0" smtClean="0"/>
+              <a:t>F) </a:t>
+            </a:r>
+            <a:r>
+              <a:rPr lang="en-US" sz="2800" dirty="0"/>
+              <a:t>= </a:t>
+            </a:r>
+            <a:r>
+              <a:rPr lang="en-US" sz="2800" dirty="0" smtClean="0"/>
+              <a:t>95.73%</a:t>
+            </a:r>
+          </a:p>
+          <a:p>
+            <a:r>
+              <a:rPr lang="en-US" sz="3000" dirty="0" smtClean="0"/>
+              <a:t>How to generalize to multiple relations?</a:t>
+            </a:r>
+          </a:p>
+          <a:p>
+            <a:pPr lvl="1"/>
+            <a:r>
+              <a:rPr lang="en-US" sz="2800" i="1" dirty="0"/>
+              <a:t>P</a:t>
+            </a:r>
+            <a:r>
+              <a:rPr lang="en-US" sz="2800" i="1" baseline="-25000" dirty="0"/>
+              <a:t>D</a:t>
             </a:r>
             <a:r>
               <a:rPr lang="en-US" sz="2800" dirty="0" smtClean="0"/>
               <a:t>(</a:t>
             </a:r>
             <a:r>
-              <a:rPr lang="en-US" sz="2800" dirty="0" err="1" smtClean="0"/>
+              <a:rPr lang="en-US" sz="2800" i="1" dirty="0" smtClean="0"/>
+              <a:t>ActsIn(</a:t>
+            </a:r>
+            <a:r>
+              <a:rPr lang="en-US" sz="2800" i="1" dirty="0" err="1" smtClean="0"/>
+              <a:t>Actor,Movie</a:t>
+            </a:r>
+            <a:r>
+              <a:rPr lang="en-US" sz="2800" i="1" dirty="0" smtClean="0"/>
+              <a:t>)=</a:t>
+            </a:r>
+            <a:r>
+              <a:rPr lang="en-US" sz="2800" i="1" dirty="0" err="1" smtClean="0"/>
+              <a:t>F,HasRated</a:t>
+            </a:r>
+            <a:r>
+              <a:rPr lang="en-US" sz="2800" i="1" dirty="0" smtClean="0"/>
+              <a:t>(</a:t>
+            </a:r>
+            <a:r>
+              <a:rPr lang="en-US" sz="2800" i="1" dirty="0" err="1" smtClean="0"/>
               <a:t>User,Movie</a:t>
             </a:r>
             <a:r>
+              <a:rPr lang="en-US" sz="2800" i="1" dirty="0" smtClean="0"/>
+              <a:t>)=F</a:t>
+            </a:r>
+            <a:r>
               <a:rPr lang="en-US" sz="2800" dirty="0" smtClean="0"/>
-              <a:t>) = T) = 4.27%</a:t>
-            </a:r>
-          </a:p>
-          <a:p>
-            <a:pPr lvl="1"/>
-            <a:r>
-              <a:rPr lang="en-US" sz="2800" dirty="0"/>
-              <a:t>P(</a:t>
-            </a:r>
-            <a:r>
-              <a:rPr lang="en-US" sz="2800" dirty="0" err="1"/>
-              <a:t>HasRated</a:t>
-            </a:r>
-            <a:r>
-              <a:rPr lang="en-US" sz="2800" dirty="0"/>
-              <a:t>(</a:t>
-            </a:r>
-            <a:r>
-              <a:rPr lang="en-US" sz="2800" dirty="0" err="1"/>
-              <a:t>User,Movie</a:t>
-            </a:r>
-            <a:r>
-              <a:rPr lang="en-US" sz="2800" dirty="0"/>
-              <a:t>) = </a:t>
-            </a:r>
-            <a:r>
-              <a:rPr lang="en-US" sz="2800" dirty="0" smtClean="0"/>
-              <a:t>F) </a:t>
-            </a:r>
-            <a:r>
-              <a:rPr lang="en-US" sz="2800" dirty="0"/>
-              <a:t>= </a:t>
-            </a:r>
-            <a:r>
-              <a:rPr lang="en-US" sz="2800" dirty="0" smtClean="0"/>
-              <a:t>95.73%</a:t>
-            </a:r>
-          </a:p>
-          <a:p>
-            <a:r>
-              <a:rPr lang="en-US" sz="3000" dirty="0" smtClean="0"/>
-              <a:t>How to generalize to multiple relations?</a:t>
-            </a:r>
-            <a:endParaRPr lang="en-US" sz="3000" dirty="0"/>
+              <a:t>)</a:t>
+            </a:r>
+            <a:endParaRPr lang="en-US" sz="2800" dirty="0"/>
           </a:p>
           <a:p>
             <a:pPr lvl="1"/>
@@ -12209,14 +12225,30 @@
             </a:bodyPr>
             <a:lstStyle/>
             <a:p>
+              <a:pPr lvl="0"/>
               <a:r>
-                <a:rPr lang="en-CA" sz="2000" dirty="0" smtClean="0">
-                  <a:latin typeface="+mn-lt"/>
+                <a:rPr lang="en-CA" sz="2000" i="1" dirty="0" smtClean="0">
+                  <a:solidFill>
+                    <a:prstClr val="black"/>
+                  </a:solidFill>
+                  <a:latin typeface="Perpetua"/>
                 </a:rPr>
-                <a:t>Count(*)</a:t>
+                <a:t>p</a:t>
               </a:r>
-              <a:endParaRPr lang="en-CA" sz="2000" dirty="0">
-                <a:latin typeface="+mn-lt"/>
+              <a:r>
+                <a:rPr lang="en-CA" sz="2000" i="1" baseline="-25000" dirty="0" smtClean="0">
+                  <a:solidFill>
+                    <a:prstClr val="black"/>
+                  </a:solidFill>
+                  <a:latin typeface="Perpetua"/>
+                </a:rPr>
+                <a:t>4</a:t>
+              </a:r>
+              <a:endParaRPr lang="en-CA" sz="2000" i="1" baseline="-25000" dirty="0">
+                <a:solidFill>
+                  <a:prstClr val="black"/>
+                </a:solidFill>
+                <a:latin typeface="Perpetua"/>
               </a:endParaRPr>
             </a:p>
           </p:txBody>
@@ -12438,14 +12470,30 @@
               </a:bodyPr>
               <a:lstStyle/>
               <a:p>
+                <a:pPr lvl="0"/>
                 <a:r>
-                  <a:rPr lang="en-CA" sz="2000" dirty="0" smtClean="0">
-                    <a:latin typeface="+mn-lt"/>
+                  <a:rPr lang="en-CA" sz="2000" i="1" dirty="0" smtClean="0">
+                    <a:solidFill>
+                      <a:prstClr val="black"/>
+                    </a:solidFill>
+                    <a:latin typeface="Perpetua"/>
                   </a:rPr>
-                  <a:t>Count(*)</a:t>
+                  <a:t>p</a:t>
                 </a:r>
-                <a:endParaRPr lang="en-CA" sz="2000" dirty="0">
-                  <a:latin typeface="+mn-lt"/>
+                <a:r>
+                  <a:rPr lang="en-CA" sz="2000" i="1" baseline="-25000" dirty="0" smtClean="0">
+                    <a:solidFill>
+                      <a:prstClr val="black"/>
+                    </a:solidFill>
+                    <a:latin typeface="Perpetua"/>
+                  </a:rPr>
+                  <a:t>3</a:t>
+                </a:r>
+                <a:endParaRPr lang="en-CA" sz="2000" i="1" baseline="-25000" dirty="0">
+                  <a:solidFill>
+                    <a:prstClr val="black"/>
+                  </a:solidFill>
+                  <a:latin typeface="Perpetua"/>
                 </a:endParaRPr>
               </a:p>
             </p:txBody>
@@ -12729,14 +12777,30 @@
             </a:bodyPr>
             <a:lstStyle/>
             <a:p>
+              <a:pPr lvl="0"/>
               <a:r>
-                <a:rPr lang="en-CA" sz="2000" dirty="0" smtClean="0">
-                  <a:latin typeface="+mn-lt"/>
+                <a:rPr lang="en-CA" sz="2000" i="1" dirty="0" smtClean="0">
+                  <a:solidFill>
+                    <a:prstClr val="black"/>
+                  </a:solidFill>
+                  <a:latin typeface="Perpetua"/>
                 </a:rPr>
-                <a:t>Count(*)</a:t>
+                <a:t>p</a:t>
               </a:r>
-              <a:endParaRPr lang="en-CA" sz="2000" dirty="0">
-                <a:latin typeface="+mn-lt"/>
+              <a:r>
+                <a:rPr lang="en-CA" sz="2000" i="1" baseline="-25000" dirty="0" smtClean="0">
+                  <a:solidFill>
+                    <a:prstClr val="black"/>
+                  </a:solidFill>
+                  <a:latin typeface="Perpetua"/>
+                </a:rPr>
+                <a:t>2</a:t>
+              </a:r>
+              <a:endParaRPr lang="en-CA" sz="2000" i="1" baseline="-25000" dirty="0">
+                <a:solidFill>
+                  <a:prstClr val="black"/>
+                </a:solidFill>
+                <a:latin typeface="Perpetua"/>
               </a:endParaRPr>
             </a:p>
           </p:txBody>
@@ -13033,14 +13097,30 @@
               </a:bodyPr>
               <a:lstStyle/>
               <a:p>
+                <a:pPr lvl="0"/>
                 <a:r>
-                  <a:rPr lang="en-CA" sz="2000" dirty="0" smtClean="0">
-                    <a:latin typeface="+mn-lt"/>
+                  <a:rPr lang="en-CA" sz="2000" i="1" dirty="0" smtClean="0">
+                    <a:solidFill>
+                      <a:prstClr val="black"/>
+                    </a:solidFill>
+                    <a:latin typeface="Perpetua"/>
                   </a:rPr>
-                  <a:t>Count(*)</a:t>
+                  <a:t>p</a:t>
                 </a:r>
-                <a:endParaRPr lang="en-CA" sz="2000" dirty="0">
-                  <a:latin typeface="+mn-lt"/>
+                <a:r>
+                  <a:rPr lang="en-CA" sz="2000" i="1" baseline="-25000" dirty="0" smtClean="0">
+                    <a:solidFill>
+                      <a:prstClr val="black"/>
+                    </a:solidFill>
+                    <a:latin typeface="Perpetua"/>
+                  </a:rPr>
+                  <a:t>1</a:t>
+                </a:r>
+                <a:endParaRPr lang="en-CA" sz="2000" i="1" baseline="-25000" dirty="0">
+                  <a:solidFill>
+                    <a:prstClr val="black"/>
+                  </a:solidFill>
+                  <a:latin typeface="Perpetua"/>
                 </a:endParaRPr>
               </a:p>
             </p:txBody>
@@ -13388,14 +13468,30 @@
             </a:bodyPr>
             <a:lstStyle/>
             <a:p>
+              <a:pPr lvl="0"/>
               <a:r>
-                <a:rPr lang="en-CA" sz="2000" dirty="0" smtClean="0">
-                  <a:latin typeface="+mn-lt"/>
+                <a:rPr lang="en-CA" sz="2000" i="1" dirty="0" smtClean="0">
+                  <a:solidFill>
+                    <a:prstClr val="black"/>
+                  </a:solidFill>
+                  <a:latin typeface="Perpetua"/>
                 </a:rPr>
-                <a:t>Count(*)</a:t>
+                <a:t>q</a:t>
               </a:r>
-              <a:endParaRPr lang="en-CA" sz="2000" dirty="0">
-                <a:latin typeface="+mn-lt"/>
+              <a:r>
+                <a:rPr lang="en-CA" sz="2000" i="1" baseline="-25000" dirty="0" smtClean="0">
+                  <a:solidFill>
+                    <a:prstClr val="black"/>
+                  </a:solidFill>
+                  <a:latin typeface="Perpetua"/>
+                </a:rPr>
+                <a:t>4</a:t>
+              </a:r>
+              <a:endParaRPr lang="en-CA" sz="2000" i="1" baseline="-25000" dirty="0">
+                <a:solidFill>
+                  <a:prstClr val="black"/>
+                </a:solidFill>
+                <a:latin typeface="Perpetua"/>
               </a:endParaRPr>
             </a:p>
           </p:txBody>
@@ -13497,14 +13593,30 @@
           </a:bodyPr>
           <a:lstStyle/>
           <a:p>
-            <a:r>
-              <a:rPr lang="en-CA" sz="2000" dirty="0" smtClean="0">
-                <a:latin typeface="+mn-lt"/>
+            <a:pPr lvl="0"/>
+            <a:r>
+              <a:rPr lang="en-CA" sz="2000" i="1" dirty="0" smtClean="0">
+                <a:solidFill>
+                  <a:prstClr val="black"/>
+                </a:solidFill>
+                <a:latin typeface="Perpetua"/>
               </a:rPr>
-              <a:t>Count(*)</a:t>
-            </a:r>
-            <a:endParaRPr lang="en-CA" sz="2000" dirty="0">
-              <a:latin typeface="+mn-lt"/>
+              <a:t>q</a:t>
+            </a:r>
+            <a:r>
+              <a:rPr lang="en-CA" sz="2000" i="1" baseline="-25000" dirty="0" smtClean="0">
+                <a:solidFill>
+                  <a:prstClr val="black"/>
+                </a:solidFill>
+                <a:latin typeface="Perpetua"/>
+              </a:rPr>
+              <a:t>3</a:t>
+            </a:r>
+            <a:endParaRPr lang="en-CA" sz="2000" i="1" baseline="-25000" dirty="0">
+              <a:solidFill>
+                <a:prstClr val="black"/>
+              </a:solidFill>
+              <a:latin typeface="Perpetua"/>
             </a:endParaRPr>
           </a:p>
         </p:txBody>
@@ -13608,14 +13720,30 @@
           </a:bodyPr>
           <a:lstStyle/>
           <a:p>
-            <a:r>
-              <a:rPr lang="en-CA" sz="2000" dirty="0" smtClean="0">
-                <a:latin typeface="+mn-lt"/>
+            <a:pPr lvl="0"/>
+            <a:r>
+              <a:rPr lang="en-CA" sz="2000" i="1" dirty="0" smtClean="0">
+                <a:solidFill>
+                  <a:prstClr val="black"/>
+                </a:solidFill>
+                <a:latin typeface="Perpetua"/>
               </a:rPr>
-              <a:t>Count(*)</a:t>
-            </a:r>
-            <a:endParaRPr lang="en-CA" sz="2000" dirty="0">
-              <a:latin typeface="+mn-lt"/>
+              <a:t>q</a:t>
+            </a:r>
+            <a:r>
+              <a:rPr lang="en-CA" sz="2000" i="1" baseline="-25000" dirty="0" smtClean="0">
+                <a:solidFill>
+                  <a:prstClr val="black"/>
+                </a:solidFill>
+                <a:latin typeface="Perpetua"/>
+              </a:rPr>
+              <a:t>2</a:t>
+            </a:r>
+            <a:endParaRPr lang="en-CA" sz="2000" i="1" baseline="-25000" dirty="0">
+              <a:solidFill>
+                <a:prstClr val="black"/>
+              </a:solidFill>
+              <a:latin typeface="Perpetua"/>
             </a:endParaRPr>
           </a:p>
         </p:txBody>
@@ -13643,12 +13771,18 @@
           <a:lstStyle/>
           <a:p>
             <a:r>
-              <a:rPr lang="en-CA" sz="2000" dirty="0" smtClean="0">
+              <a:rPr lang="en-CA" sz="2000" i="1" dirty="0" smtClean="0">
                 <a:latin typeface="+mn-lt"/>
               </a:rPr>
-              <a:t>Count(*)</a:t>
-            </a:r>
-            <a:endParaRPr lang="en-CA" sz="2000" dirty="0">
+              <a:t>q</a:t>
+            </a:r>
+            <a:r>
+              <a:rPr lang="en-CA" sz="2000" i="1" baseline="-25000" dirty="0" smtClean="0">
+                <a:latin typeface="+mn-lt"/>
+              </a:rPr>
+              <a:t>1</a:t>
+            </a:r>
+            <a:endParaRPr lang="en-CA" sz="2000" i="1" baseline="-25000" dirty="0">
               <a:latin typeface="+mn-lt"/>
             </a:endParaRPr>
           </a:p>

--- a/ch3-par-learning.pptx
+++ b/ch3-par-learning.pptx
@@ -311,7 +311,7 @@
               <a:pPr>
                 <a:defRPr/>
               </a:pPr>
-              <a:t>2017-02-02</a:t>
+              <a:t>2017-02-04</a:t>
             </a:fld>
             <a:endParaRPr lang="en-US"/>
           </a:p>
@@ -527,7 +527,7 @@
               <a:pPr>
                 <a:defRPr/>
               </a:pPr>
-              <a:t>2017-02-02</a:t>
+              <a:t>2017-02-04</a:t>
             </a:fld>
             <a:endParaRPr lang="en-US"/>
           </a:p>
@@ -2884,7 +2884,7 @@
               <a:pPr>
                 <a:defRPr/>
               </a:pPr>
-              <a:t>2017-02-02</a:t>
+              <a:t>2017-02-04</a:t>
             </a:fld>
             <a:endParaRPr lang="en-US"/>
           </a:p>
@@ -3085,7 +3085,7 @@
               <a:pPr>
                 <a:defRPr/>
               </a:pPr>
-              <a:t>2017-02-02</a:t>
+              <a:t>2017-02-04</a:t>
             </a:fld>
             <a:endParaRPr lang="en-US"/>
           </a:p>
@@ -3296,7 +3296,7 @@
               <a:pPr>
                 <a:defRPr/>
               </a:pPr>
-              <a:t>2017-02-02</a:t>
+              <a:t>2017-02-04</a:t>
             </a:fld>
             <a:endParaRPr lang="en-US"/>
           </a:p>
@@ -3502,7 +3502,7 @@
               <a:pPr>
                 <a:defRPr/>
               </a:pPr>
-              <a:t>2017-02-02</a:t>
+              <a:t>2017-02-04</a:t>
             </a:fld>
             <a:endParaRPr lang="en-US"/>
           </a:p>
@@ -4021,7 +4021,7 @@
               <a:pPr>
                 <a:defRPr/>
               </a:pPr>
-              <a:t>2017-02-02</a:t>
+              <a:t>2017-02-04</a:t>
             </a:fld>
             <a:endParaRPr lang="en-US"/>
           </a:p>
@@ -4294,7 +4294,7 @@
               <a:pPr>
                 <a:defRPr/>
               </a:pPr>
-              <a:t>2017-02-02</a:t>
+              <a:t>2017-02-04</a:t>
             </a:fld>
             <a:endParaRPr lang="en-US"/>
           </a:p>
@@ -4692,7 +4692,7 @@
               <a:pPr>
                 <a:defRPr/>
               </a:pPr>
-              <a:t>2017-02-02</a:t>
+              <a:t>2017-02-04</a:t>
             </a:fld>
             <a:endParaRPr lang="en-US"/>
           </a:p>
@@ -4841,7 +4841,7 @@
               <a:pPr>
                 <a:defRPr/>
               </a:pPr>
-              <a:t>2017-02-02</a:t>
+              <a:t>2017-02-04</a:t>
             </a:fld>
             <a:endParaRPr lang="en-US"/>
           </a:p>
@@ -4967,7 +4967,7 @@
               <a:pPr>
                 <a:defRPr/>
               </a:pPr>
-              <a:t>2017-02-02</a:t>
+              <a:t>2017-02-04</a:t>
             </a:fld>
             <a:endParaRPr lang="en-US"/>
           </a:p>
@@ -5343,7 +5343,7 @@
               <a:pPr>
                 <a:defRPr/>
               </a:pPr>
-              <a:t>2017-02-02</a:t>
+              <a:t>2017-02-04</a:t>
             </a:fld>
             <a:endParaRPr lang="en-US"/>
           </a:p>
@@ -5766,7 +5766,7 @@
               <a:pPr>
                 <a:defRPr/>
               </a:pPr>
-              <a:t>2017-02-02</a:t>
+              <a:t>2017-02-04</a:t>
             </a:fld>
             <a:endParaRPr lang="en-US"/>
           </a:p>
@@ -6186,7 +6186,7 @@
               <a:pPr>
                 <a:defRPr/>
               </a:pPr>
-              <a:t>2017-02-02</a:t>
+              <a:t>2017-02-04</a:t>
             </a:fld>
             <a:endParaRPr lang="en-US"/>
           </a:p>
@@ -11898,8 +11898,8 @@
         </p:nvSpPr>
         <p:spPr>
           <a:xfrm>
-            <a:off x="914400" y="6172200"/>
-            <a:ext cx="6542314" cy="457200"/>
+            <a:off x="366889" y="6172200"/>
+            <a:ext cx="7089825" cy="457200"/>
           </a:xfrm>
         </p:spPr>
         <p:txBody>
@@ -11928,11 +11928,22 @@
             </a:r>
             <a:r>
               <a:rPr lang="en-US" dirty="0"/>
-              <a:t>, B. (2003), 'Learning probabilistic models of link structure', </a:t>
+              <a:t>, B. (2003), 'Learning probabilistic models of link structure'</a:t>
+            </a:r>
+            <a:r>
+              <a:rPr lang="en-US"/>
+              <a:t>, </a:t>
+            </a:r>
+            <a:endParaRPr lang="en-US" smtClean="0"/>
+          </a:p>
+          <a:p>
+            <a:r>
+              <a:rPr lang="en-US" i="1" smtClean="0"/>
+              <a:t>J</a:t>
             </a:r>
             <a:r>
               <a:rPr lang="en-US" i="1" dirty="0"/>
-              <a:t>J. Mach. Learn. Res. </a:t>
+              <a:t>. Mach. Learn. Res. </a:t>
             </a:r>
             <a:r>
               <a:rPr lang="en-US" b="1" i="1" dirty="0"/>
